--- a/document/关键讲解.pptx
+++ b/document/关键讲解.pptx
@@ -201,7 +201,7 @@
           <a:p>
             <a:fld id="{3BF2516E-F20F-4F38-9222-029461400465}" type="datetimeFigureOut">
               <a:rPr lang="zh-CN" altLang="en-US" smtClean="0"/>
-              <a:t>2021/5/15</a:t>
+              <a:t>2021/5/16</a:t>
             </a:fld>
             <a:endParaRPr lang="zh-CN" altLang="en-US"/>
           </a:p>
@@ -783,7 +783,7 @@
           <a:p>
             <a:fld id="{2258F232-E430-4BCA-BD15-BAE30E4E90AA}" type="datetimeFigureOut">
               <a:rPr lang="zh-CN" altLang="en-US" smtClean="0"/>
-              <a:t>2021/5/15</a:t>
+              <a:t>2021/5/16</a:t>
             </a:fld>
             <a:endParaRPr lang="zh-CN" altLang="en-US"/>
           </a:p>
@@ -981,7 +981,7 @@
           <a:p>
             <a:fld id="{2258F232-E430-4BCA-BD15-BAE30E4E90AA}" type="datetimeFigureOut">
               <a:rPr lang="zh-CN" altLang="en-US" smtClean="0"/>
-              <a:t>2021/5/15</a:t>
+              <a:t>2021/5/16</a:t>
             </a:fld>
             <a:endParaRPr lang="zh-CN" altLang="en-US"/>
           </a:p>
@@ -1189,7 +1189,7 @@
           <a:p>
             <a:fld id="{2258F232-E430-4BCA-BD15-BAE30E4E90AA}" type="datetimeFigureOut">
               <a:rPr lang="zh-CN" altLang="en-US" smtClean="0"/>
-              <a:t>2021/5/15</a:t>
+              <a:t>2021/5/16</a:t>
             </a:fld>
             <a:endParaRPr lang="zh-CN" altLang="en-US"/>
           </a:p>
@@ -1387,7 +1387,7 @@
           <a:p>
             <a:fld id="{2258F232-E430-4BCA-BD15-BAE30E4E90AA}" type="datetimeFigureOut">
               <a:rPr lang="zh-CN" altLang="en-US" smtClean="0"/>
-              <a:t>2021/5/15</a:t>
+              <a:t>2021/5/16</a:t>
             </a:fld>
             <a:endParaRPr lang="zh-CN" altLang="en-US"/>
           </a:p>
@@ -1662,7 +1662,7 @@
           <a:p>
             <a:fld id="{2258F232-E430-4BCA-BD15-BAE30E4E90AA}" type="datetimeFigureOut">
               <a:rPr lang="zh-CN" altLang="en-US" smtClean="0"/>
-              <a:t>2021/5/15</a:t>
+              <a:t>2021/5/16</a:t>
             </a:fld>
             <a:endParaRPr lang="zh-CN" altLang="en-US"/>
           </a:p>
@@ -1927,7 +1927,7 @@
           <a:p>
             <a:fld id="{2258F232-E430-4BCA-BD15-BAE30E4E90AA}" type="datetimeFigureOut">
               <a:rPr lang="zh-CN" altLang="en-US" smtClean="0"/>
-              <a:t>2021/5/15</a:t>
+              <a:t>2021/5/16</a:t>
             </a:fld>
             <a:endParaRPr lang="zh-CN" altLang="en-US"/>
           </a:p>
@@ -2339,7 +2339,7 @@
           <a:p>
             <a:fld id="{2258F232-E430-4BCA-BD15-BAE30E4E90AA}" type="datetimeFigureOut">
               <a:rPr lang="zh-CN" altLang="en-US" smtClean="0"/>
-              <a:t>2021/5/15</a:t>
+              <a:t>2021/5/16</a:t>
             </a:fld>
             <a:endParaRPr lang="zh-CN" altLang="en-US"/>
           </a:p>
@@ -2480,7 +2480,7 @@
           <a:p>
             <a:fld id="{2258F232-E430-4BCA-BD15-BAE30E4E90AA}" type="datetimeFigureOut">
               <a:rPr lang="zh-CN" altLang="en-US" smtClean="0"/>
-              <a:t>2021/5/15</a:t>
+              <a:t>2021/5/16</a:t>
             </a:fld>
             <a:endParaRPr lang="zh-CN" altLang="en-US"/>
           </a:p>
@@ -2593,7 +2593,7 @@
           <a:p>
             <a:fld id="{2258F232-E430-4BCA-BD15-BAE30E4E90AA}" type="datetimeFigureOut">
               <a:rPr lang="zh-CN" altLang="en-US" smtClean="0"/>
-              <a:t>2021/5/15</a:t>
+              <a:t>2021/5/16</a:t>
             </a:fld>
             <a:endParaRPr lang="zh-CN" altLang="en-US"/>
           </a:p>
@@ -2904,7 +2904,7 @@
           <a:p>
             <a:fld id="{2258F232-E430-4BCA-BD15-BAE30E4E90AA}" type="datetimeFigureOut">
               <a:rPr lang="zh-CN" altLang="en-US" smtClean="0"/>
-              <a:t>2021/5/15</a:t>
+              <a:t>2021/5/16</a:t>
             </a:fld>
             <a:endParaRPr lang="zh-CN" altLang="en-US"/>
           </a:p>
@@ -3192,7 +3192,7 @@
           <a:p>
             <a:fld id="{2258F232-E430-4BCA-BD15-BAE30E4E90AA}" type="datetimeFigureOut">
               <a:rPr lang="zh-CN" altLang="en-US" smtClean="0"/>
-              <a:t>2021/5/15</a:t>
+              <a:t>2021/5/16</a:t>
             </a:fld>
             <a:endParaRPr lang="zh-CN" altLang="en-US"/>
           </a:p>
@@ -3433,7 +3433,7 @@
           <a:p>
             <a:fld id="{2258F232-E430-4BCA-BD15-BAE30E4E90AA}" type="datetimeFigureOut">
               <a:rPr lang="zh-CN" altLang="en-US" smtClean="0"/>
-              <a:t>2021/5/15</a:t>
+              <a:t>2021/5/16</a:t>
             </a:fld>
             <a:endParaRPr lang="zh-CN" altLang="en-US"/>
           </a:p>
@@ -8548,7 +8548,7 @@
               <a:rPr lang="en-US" altLang="zh-CN" dirty="0">
                 <a:hlinkClick r:id="rId4"/>
               </a:rPr>
-              <a:t>https://github.com/chenqide163/SSD1306Driver_128x64_OLED_4bilibili</a:t>
+              <a:t>https://github.com/chenqide163/SSD1306Driver_128x32_OLED_4bilibili</a:t>
             </a:r>
             <a:endParaRPr lang="en-US" altLang="zh-CN" dirty="0"/>
           </a:p>
